--- a/doc/Projet4_OCPizza_Arguments.pptx
+++ b/doc/Projet4_OCPizza_Arguments.pptx
@@ -6151,7 +6151,7 @@
         </p:nvGrpSpPr>
         <p:grpSpPr>
           <a:xfrm>
-            <a:off x="8736789" y="4614963"/>
+            <a:off x="8711388" y="4614963"/>
             <a:ext cx="2284621" cy="795867"/>
             <a:chOff x="609600" y="5264831"/>
             <a:chExt cx="1380067" cy="795867"/>
@@ -6329,7 +6329,7 @@
         </p:nvSpPr>
         <p:spPr>
           <a:xfrm>
-            <a:off x="8726902" y="4177017"/>
+            <a:off x="8718435" y="4177017"/>
             <a:ext cx="2324547" cy="461665"/>
           </a:xfrm>
           <a:prstGeom prst="rect">
@@ -9912,7 +9912,6 @@
               <a:rPr lang="fr-FR" sz="2400" b="1" dirty="0" smtClean="0"/>
               <a:t>HTML/CSS/JavaScript :</a:t>
             </a:r>
-            <a:endParaRPr lang="fr-FR" sz="2400" b="1" dirty="0" smtClean="0"/>
           </a:p>
           <a:p>
             <a:pPr marL="800100" lvl="1" indent="-342900">
@@ -9921,13 +9920,8 @@
             </a:pPr>
             <a:r>
               <a:rPr lang="fr-FR" sz="2400" dirty="0" smtClean="0"/>
-              <a:t>Technologies standards du </a:t>
-            </a:r>
-            <a:r>
-              <a:rPr lang="fr-FR" sz="2400" dirty="0" smtClean="0"/>
-              <a:t>web</a:t>
-            </a:r>
-            <a:endParaRPr lang="fr-FR" sz="2400" dirty="0" smtClean="0"/>
+              <a:t>Technologies standards du web</a:t>
+            </a:r>
           </a:p>
         </p:txBody>
       </p:sp>
@@ -10460,7 +10454,6 @@
               <a:rPr lang="fr-FR" sz="2400" b="1" dirty="0" smtClean="0"/>
               <a:t>MYSQL :</a:t>
             </a:r>
-            <a:endParaRPr lang="fr-FR" sz="2400" b="1" dirty="0" smtClean="0"/>
           </a:p>
           <a:p>
             <a:pPr marL="800100" lvl="1" indent="-342900">
@@ -10481,7 +10474,6 @@
               <a:rPr lang="fr-FR" sz="2400" dirty="0" smtClean="0"/>
               <a:t>Développé et maintenu par Oracle.</a:t>
             </a:r>
-            <a:endParaRPr lang="fr-FR" sz="2400" dirty="0" smtClean="0"/>
           </a:p>
         </p:txBody>
       </p:sp>

--- a/doc/Projet4_OCPizza_Arguments.pptx
+++ b/doc/Projet4_OCPizza_Arguments.pptx
@@ -218,7 +218,7 @@
           <a:p>
             <a:fld id="{112819D6-9618-45CA-A4D0-F3F0B09DC02D}" type="datetimeFigureOut">
               <a:rPr lang="fr-FR" smtClean="0"/>
-              <a:t>03/12/2017</a:t>
+              <a:t>06/12/2017</a:t>
             </a:fld>
             <a:endParaRPr lang="fr-FR"/>
           </a:p>
@@ -617,7 +617,7 @@
           <a:p>
             <a:fld id="{79C2CD3C-23E9-4BF9-92A5-02D69918904F}" type="datetimeFigureOut">
               <a:rPr lang="fr-FR" smtClean="0"/>
-              <a:t>03/12/2017</a:t>
+              <a:t>06/12/2017</a:t>
             </a:fld>
             <a:endParaRPr lang="fr-FR"/>
           </a:p>
@@ -787,7 +787,7 @@
           <a:p>
             <a:fld id="{79C2CD3C-23E9-4BF9-92A5-02D69918904F}" type="datetimeFigureOut">
               <a:rPr lang="fr-FR" smtClean="0"/>
-              <a:t>03/12/2017</a:t>
+              <a:t>06/12/2017</a:t>
             </a:fld>
             <a:endParaRPr lang="fr-FR"/>
           </a:p>
@@ -967,7 +967,7 @@
           <a:p>
             <a:fld id="{79C2CD3C-23E9-4BF9-92A5-02D69918904F}" type="datetimeFigureOut">
               <a:rPr lang="fr-FR" smtClean="0"/>
-              <a:t>03/12/2017</a:t>
+              <a:t>06/12/2017</a:t>
             </a:fld>
             <a:endParaRPr lang="fr-FR"/>
           </a:p>
@@ -1137,7 +1137,7 @@
           <a:p>
             <a:fld id="{79C2CD3C-23E9-4BF9-92A5-02D69918904F}" type="datetimeFigureOut">
               <a:rPr lang="fr-FR" smtClean="0"/>
-              <a:t>03/12/2017</a:t>
+              <a:t>06/12/2017</a:t>
             </a:fld>
             <a:endParaRPr lang="fr-FR"/>
           </a:p>
@@ -1383,7 +1383,7 @@
           <a:p>
             <a:fld id="{79C2CD3C-23E9-4BF9-92A5-02D69918904F}" type="datetimeFigureOut">
               <a:rPr lang="fr-FR" smtClean="0"/>
-              <a:t>03/12/2017</a:t>
+              <a:t>06/12/2017</a:t>
             </a:fld>
             <a:endParaRPr lang="fr-FR"/>
           </a:p>
@@ -1615,7 +1615,7 @@
           <a:p>
             <a:fld id="{79C2CD3C-23E9-4BF9-92A5-02D69918904F}" type="datetimeFigureOut">
               <a:rPr lang="fr-FR" smtClean="0"/>
-              <a:t>03/12/2017</a:t>
+              <a:t>06/12/2017</a:t>
             </a:fld>
             <a:endParaRPr lang="fr-FR"/>
           </a:p>
@@ -1982,7 +1982,7 @@
           <a:p>
             <a:fld id="{79C2CD3C-23E9-4BF9-92A5-02D69918904F}" type="datetimeFigureOut">
               <a:rPr lang="fr-FR" smtClean="0"/>
-              <a:t>03/12/2017</a:t>
+              <a:t>06/12/2017</a:t>
             </a:fld>
             <a:endParaRPr lang="fr-FR"/>
           </a:p>
@@ -2100,7 +2100,7 @@
           <a:p>
             <a:fld id="{79C2CD3C-23E9-4BF9-92A5-02D69918904F}" type="datetimeFigureOut">
               <a:rPr lang="fr-FR" smtClean="0"/>
-              <a:t>03/12/2017</a:t>
+              <a:t>06/12/2017</a:t>
             </a:fld>
             <a:endParaRPr lang="fr-FR"/>
           </a:p>
@@ -2195,7 +2195,7 @@
           <a:p>
             <a:fld id="{79C2CD3C-23E9-4BF9-92A5-02D69918904F}" type="datetimeFigureOut">
               <a:rPr lang="fr-FR" smtClean="0"/>
-              <a:t>03/12/2017</a:t>
+              <a:t>06/12/2017</a:t>
             </a:fld>
             <a:endParaRPr lang="fr-FR"/>
           </a:p>
@@ -2472,7 +2472,7 @@
           <a:p>
             <a:fld id="{79C2CD3C-23E9-4BF9-92A5-02D69918904F}" type="datetimeFigureOut">
               <a:rPr lang="fr-FR" smtClean="0"/>
-              <a:t>03/12/2017</a:t>
+              <a:t>06/12/2017</a:t>
             </a:fld>
             <a:endParaRPr lang="fr-FR"/>
           </a:p>
@@ -2725,7 +2725,7 @@
           <a:p>
             <a:fld id="{79C2CD3C-23E9-4BF9-92A5-02D69918904F}" type="datetimeFigureOut">
               <a:rPr lang="fr-FR" smtClean="0"/>
-              <a:t>03/12/2017</a:t>
+              <a:t>06/12/2017</a:t>
             </a:fld>
             <a:endParaRPr lang="fr-FR"/>
           </a:p>
@@ -2938,7 +2938,7 @@
           <a:p>
             <a:fld id="{79C2CD3C-23E9-4BF9-92A5-02D69918904F}" type="datetimeFigureOut">
               <a:rPr lang="fr-FR" smtClean="0"/>
-              <a:t>03/12/2017</a:t>
+              <a:t>06/12/2017</a:t>
             </a:fld>
             <a:endParaRPr lang="fr-FR"/>
           </a:p>
@@ -3414,11 +3414,7 @@
             </a:pPr>
             <a:r>
               <a:rPr lang="fr-FR" sz="2400" dirty="0" smtClean="0"/>
-              <a:t>Présenter rapidement la solution fonctionnelle </a:t>
-            </a:r>
-            <a:r>
-              <a:rPr lang="fr-FR" sz="2400" dirty="0" smtClean="0"/>
-              <a:t>proposée ;</a:t>
+              <a:t>Présenter rapidement la solution fonctionnelle proposée ;</a:t>
             </a:r>
             <a:endParaRPr lang="fr-FR" sz="2400" dirty="0"/>
           </a:p>
@@ -3429,11 +3425,7 @@
             </a:pPr>
             <a:r>
               <a:rPr lang="fr-FR" sz="2400" dirty="0" smtClean="0"/>
-              <a:t>Présenter rapidement la solution technique </a:t>
-            </a:r>
-            <a:r>
-              <a:rPr lang="fr-FR" sz="2400" dirty="0" smtClean="0"/>
-              <a:t>retenue.</a:t>
+              <a:t>Présenter rapidement la solution technique retenue.</a:t>
             </a:r>
             <a:endParaRPr lang="fr-FR" sz="2400" dirty="0"/>
           </a:p>
@@ -4340,7 +4332,7 @@
         </p:blipFill>
         <p:spPr>
           <a:xfrm>
-            <a:off x="1776987" y="1982578"/>
+            <a:off x="2186290" y="1982578"/>
             <a:ext cx="1911173" cy="1911173"/>
           </a:xfrm>
           <a:prstGeom prst="rect">
@@ -4370,8 +4362,8 @@
         </p:blipFill>
         <p:spPr>
           <a:xfrm>
-            <a:off x="1461579" y="4141576"/>
-            <a:ext cx="2716424" cy="2716424"/>
+            <a:off x="1870882" y="4249782"/>
+            <a:ext cx="2716424" cy="2608218"/>
           </a:xfrm>
           <a:prstGeom prst="rect">
             <a:avLst/>
@@ -4599,9 +4591,212 @@
   <p:timing>
     <p:tnLst>
       <p:par>
-        <p:cTn id="1" dur="indefinite" restart="never" nodeType="tmRoot"/>
+        <p:cTn id="1" dur="indefinite" restart="never" nodeType="tmRoot">
+          <p:childTnLst>
+            <p:seq concurrent="1" nextAc="seek">
+              <p:cTn id="2" dur="indefinite" nodeType="mainSeq">
+                <p:childTnLst>
+                  <p:par>
+                    <p:cTn id="3" fill="hold">
+                      <p:stCondLst>
+                        <p:cond delay="indefinite"/>
+                      </p:stCondLst>
+                      <p:childTnLst>
+                        <p:par>
+                          <p:cTn id="4" fill="hold">
+                            <p:stCondLst>
+                              <p:cond delay="0"/>
+                            </p:stCondLst>
+                            <p:childTnLst>
+                              <p:par>
+                                <p:cTn id="5" presetID="10" presetClass="entr" presetSubtype="0" fill="hold" nodeType="clickEffect">
+                                  <p:stCondLst>
+                                    <p:cond delay="0"/>
+                                  </p:stCondLst>
+                                  <p:childTnLst>
+                                    <p:set>
+                                      <p:cBhvr>
+                                        <p:cTn id="6" dur="1" fill="hold">
+                                          <p:stCondLst>
+                                            <p:cond delay="0"/>
+                                          </p:stCondLst>
+                                        </p:cTn>
+                                        <p:tgtEl>
+                                          <p:spTgt spid="2"/>
+                                        </p:tgtEl>
+                                        <p:attrNameLst>
+                                          <p:attrName>style.visibility</p:attrName>
+                                        </p:attrNameLst>
+                                      </p:cBhvr>
+                                      <p:to>
+                                        <p:strVal val="visible"/>
+                                      </p:to>
+                                    </p:set>
+                                    <p:animEffect transition="in" filter="fade">
+                                      <p:cBhvr>
+                                        <p:cTn id="7" dur="500"/>
+                                        <p:tgtEl>
+                                          <p:spTgt spid="2"/>
+                                        </p:tgtEl>
+                                      </p:cBhvr>
+                                    </p:animEffect>
+                                  </p:childTnLst>
+                                </p:cTn>
+                              </p:par>
+                              <p:par>
+                                <p:cTn id="8" presetID="10" presetClass="entr" presetSubtype="0" fill="hold" grpId="0" nodeType="withEffect">
+                                  <p:stCondLst>
+                                    <p:cond delay="0"/>
+                                  </p:stCondLst>
+                                  <p:childTnLst>
+                                    <p:set>
+                                      <p:cBhvr>
+                                        <p:cTn id="9" dur="1" fill="hold">
+                                          <p:stCondLst>
+                                            <p:cond delay="0"/>
+                                          </p:stCondLst>
+                                        </p:cTn>
+                                        <p:tgtEl>
+                                          <p:spTgt spid="8"/>
+                                        </p:tgtEl>
+                                        <p:attrNameLst>
+                                          <p:attrName>style.visibility</p:attrName>
+                                        </p:attrNameLst>
+                                      </p:cBhvr>
+                                      <p:to>
+                                        <p:strVal val="visible"/>
+                                      </p:to>
+                                    </p:set>
+                                    <p:animEffect transition="in" filter="fade">
+                                      <p:cBhvr>
+                                        <p:cTn id="10" dur="500"/>
+                                        <p:tgtEl>
+                                          <p:spTgt spid="8"/>
+                                        </p:tgtEl>
+                                      </p:cBhvr>
+                                    </p:animEffect>
+                                  </p:childTnLst>
+                                </p:cTn>
+                              </p:par>
+                            </p:childTnLst>
+                          </p:cTn>
+                        </p:par>
+                      </p:childTnLst>
+                    </p:cTn>
+                  </p:par>
+                  <p:par>
+                    <p:cTn id="11" fill="hold">
+                      <p:stCondLst>
+                        <p:cond delay="indefinite"/>
+                      </p:stCondLst>
+                      <p:childTnLst>
+                        <p:par>
+                          <p:cTn id="12" fill="hold">
+                            <p:stCondLst>
+                              <p:cond delay="0"/>
+                            </p:stCondLst>
+                            <p:childTnLst>
+                              <p:par>
+                                <p:cTn id="13" presetID="10" presetClass="entr" presetSubtype="0" fill="hold" nodeType="clickEffect">
+                                  <p:stCondLst>
+                                    <p:cond delay="0"/>
+                                  </p:stCondLst>
+                                  <p:childTnLst>
+                                    <p:set>
+                                      <p:cBhvr>
+                                        <p:cTn id="14" dur="1" fill="hold">
+                                          <p:stCondLst>
+                                            <p:cond delay="0"/>
+                                          </p:stCondLst>
+                                        </p:cTn>
+                                        <p:tgtEl>
+                                          <p:spTgt spid="5"/>
+                                        </p:tgtEl>
+                                        <p:attrNameLst>
+                                          <p:attrName>style.visibility</p:attrName>
+                                        </p:attrNameLst>
+                                      </p:cBhvr>
+                                      <p:to>
+                                        <p:strVal val="visible"/>
+                                      </p:to>
+                                    </p:set>
+                                    <p:animEffect transition="in" filter="fade">
+                                      <p:cBhvr>
+                                        <p:cTn id="15" dur="500"/>
+                                        <p:tgtEl>
+                                          <p:spTgt spid="5"/>
+                                        </p:tgtEl>
+                                      </p:cBhvr>
+                                    </p:animEffect>
+                                  </p:childTnLst>
+                                </p:cTn>
+                              </p:par>
+                              <p:par>
+                                <p:cTn id="16" presetID="10" presetClass="entr" presetSubtype="0" fill="hold" grpId="0" nodeType="withEffect">
+                                  <p:stCondLst>
+                                    <p:cond delay="0"/>
+                                  </p:stCondLst>
+                                  <p:childTnLst>
+                                    <p:set>
+                                      <p:cBhvr>
+                                        <p:cTn id="17" dur="1" fill="hold">
+                                          <p:stCondLst>
+                                            <p:cond delay="0"/>
+                                          </p:stCondLst>
+                                        </p:cTn>
+                                        <p:tgtEl>
+                                          <p:spTgt spid="3"/>
+                                        </p:tgtEl>
+                                        <p:attrNameLst>
+                                          <p:attrName>style.visibility</p:attrName>
+                                        </p:attrNameLst>
+                                      </p:cBhvr>
+                                      <p:to>
+                                        <p:strVal val="visible"/>
+                                      </p:to>
+                                    </p:set>
+                                    <p:animEffect transition="in" filter="fade">
+                                      <p:cBhvr>
+                                        <p:cTn id="18" dur="500"/>
+                                        <p:tgtEl>
+                                          <p:spTgt spid="3"/>
+                                        </p:tgtEl>
+                                      </p:cBhvr>
+                                    </p:animEffect>
+                                  </p:childTnLst>
+                                </p:cTn>
+                              </p:par>
+                            </p:childTnLst>
+                          </p:cTn>
+                        </p:par>
+                      </p:childTnLst>
+                    </p:cTn>
+                  </p:par>
+                </p:childTnLst>
+              </p:cTn>
+              <p:prevCondLst>
+                <p:cond evt="onPrev" delay="0">
+                  <p:tgtEl>
+                    <p:sldTgt/>
+                  </p:tgtEl>
+                </p:cond>
+              </p:prevCondLst>
+              <p:nextCondLst>
+                <p:cond evt="onNext" delay="0">
+                  <p:tgtEl>
+                    <p:sldTgt/>
+                  </p:tgtEl>
+                </p:cond>
+              </p:nextCondLst>
+            </p:seq>
+          </p:childTnLst>
+        </p:cTn>
       </p:par>
     </p:tnLst>
+    <p:bldLst>
+      <p:bldP spid="8" grpId="0"/>
+      <p:bldP spid="3" grpId="0"/>
+    </p:bldLst>
   </p:timing>
 </p:sld>
 </file>
@@ -6777,14 +6972,6 @@
               </a:rPr>
               <a:t> </a:t>
             </a:r>
-            <a:r>
-              <a:rPr lang="fr-FR" sz="2400" dirty="0">
-                <a:solidFill>
-                  <a:schemeClr val="bg1"/>
-                </a:solidFill>
-              </a:rPr>
-              <a:t/>
-            </a:r>
             <a:br>
               <a:rPr lang="fr-FR" sz="2400" dirty="0">
                 <a:solidFill>
@@ -6903,11 +7090,11 @@
   <p:clrMapOvr>
     <a:masterClrMapping/>
   </p:clrMapOvr>
-  <mc:AlternateContent xmlns:mc="http://schemas.openxmlformats.org/markup-compatibility/2006">
-    <mc:Choice xmlns:p14="http://schemas.microsoft.com/office/powerpoint/2010/main" Requires="p14">
+  <mc:AlternateContent xmlns:mc="http://schemas.openxmlformats.org/markup-compatibility/2006" xmlns:p14="http://schemas.microsoft.com/office/powerpoint/2010/main">
+    <mc:Choice Requires="p14">
       <p:transition spd="slow" p14:dur="2000" advTm="7538"/>
     </mc:Choice>
-    <mc:Fallback>
+    <mc:Fallback xmlns="">
       <p:transition spd="slow" advTm="7538"/>
     </mc:Fallback>
   </mc:AlternateContent>
@@ -7621,13 +7808,8 @@
             </a:pPr>
             <a:r>
               <a:rPr lang="fr-FR" sz="2400" dirty="0" smtClean="0"/>
-              <a:t>Application web utilisable sur plusieurs terminaux (adaptative/responsive</a:t>
-            </a:r>
-            <a:r>
-              <a:rPr lang="fr-FR" sz="2400" dirty="0" smtClean="0"/>
-              <a:t>) ;</a:t>
-            </a:r>
-            <a:endParaRPr lang="fr-FR" sz="2400" dirty="0" smtClean="0"/>
+              <a:t>Application web utilisable sur plusieurs terminaux (adaptative/responsive) ;</a:t>
+            </a:r>
           </a:p>
           <a:p>
             <a:pPr marL="285750" indent="-285750">
@@ -7636,13 +7818,8 @@
             </a:pPr>
             <a:r>
               <a:rPr lang="fr-FR" sz="2400" dirty="0" smtClean="0"/>
-              <a:t>Trois types d’acteurs : les clients, les employés et les acteurs </a:t>
-            </a:r>
-            <a:r>
-              <a:rPr lang="fr-FR" sz="2400" dirty="0" smtClean="0"/>
-              <a:t>externes.</a:t>
-            </a:r>
-            <a:endParaRPr lang="fr-FR" sz="2400" dirty="0" smtClean="0"/>
+              <a:t>Trois types d’acteurs : les clients, les employés et les acteurs externes.</a:t>
+            </a:r>
           </a:p>
         </p:txBody>
       </p:sp>
@@ -10098,13 +10275,7 @@
               <a:rPr lang="fr-FR" b="1" dirty="0" smtClean="0">
                 <a:latin typeface="Akzidenz-Grotesk BQ" pitchFamily="50" charset="0"/>
               </a:rPr>
-              <a:t>Diagramme de </a:t>
-            </a:r>
-            <a:r>
-              <a:rPr lang="fr-FR" b="1" dirty="0" smtClean="0">
-                <a:latin typeface="Akzidenz-Grotesk BQ" pitchFamily="50" charset="0"/>
-              </a:rPr>
-              <a:t>paquetage</a:t>
+              <a:t>Diagramme de paquetage</a:t>
             </a:r>
             <a:endParaRPr lang="fr-FR" b="1" dirty="0">
               <a:latin typeface="Akzidenz-Grotesk BQ" pitchFamily="50" charset="0"/>
@@ -11127,11 +11298,11 @@
   <p:clrMapOvr>
     <a:masterClrMapping/>
   </p:clrMapOvr>
-  <mc:AlternateContent xmlns:mc="http://schemas.openxmlformats.org/markup-compatibility/2006">
-    <mc:Choice xmlns:p14="http://schemas.microsoft.com/office/powerpoint/2010/main" Requires="p14">
+  <mc:AlternateContent xmlns:mc="http://schemas.openxmlformats.org/markup-compatibility/2006" xmlns:p14="http://schemas.microsoft.com/office/powerpoint/2010/main">
+    <mc:Choice Requires="p14">
       <p:transition spd="slow" p14:dur="2000" advTm="82053"/>
     </mc:Choice>
-    <mc:Fallback>
+    <mc:Fallback xmlns="">
       <p:transition spd="slow" advTm="82053"/>
     </mc:Fallback>
   </mc:AlternateContent>
@@ -15308,11 +15479,11 @@
   <p:clrMapOvr>
     <a:masterClrMapping/>
   </p:clrMapOvr>
-  <mc:AlternateContent xmlns:mc="http://schemas.openxmlformats.org/markup-compatibility/2006">
-    <mc:Choice xmlns:p14="http://schemas.microsoft.com/office/powerpoint/2010/main" Requires="p14">
+  <mc:AlternateContent xmlns:mc="http://schemas.openxmlformats.org/markup-compatibility/2006" xmlns:p14="http://schemas.microsoft.com/office/powerpoint/2010/main">
+    <mc:Choice Requires="p14">
       <p:transition spd="slow" p14:dur="2000" advTm="82053"/>
     </mc:Choice>
-    <mc:Fallback>
+    <mc:Fallback xmlns="">
       <p:transition spd="slow" advTm="82053"/>
     </mc:Fallback>
   </mc:AlternateContent>
@@ -19303,13 +19474,8 @@
             </a:pPr>
             <a:r>
               <a:rPr lang="fr-FR" sz="2400" dirty="0" smtClean="0"/>
-              <a:t>Application web utilisable sur plusieurs terminaux (adaptative/responsive</a:t>
-            </a:r>
-            <a:r>
-              <a:rPr lang="fr-FR" sz="2400" dirty="0" smtClean="0"/>
-              <a:t>) ;</a:t>
-            </a:r>
-            <a:endParaRPr lang="fr-FR" sz="2400" dirty="0" smtClean="0"/>
+              <a:t>Application web utilisable sur plusieurs terminaux (adaptative/responsive) ;</a:t>
+            </a:r>
           </a:p>
           <a:p>
             <a:pPr marL="285750" indent="-285750">
@@ -19318,11 +19484,7 @@
             </a:pPr>
             <a:r>
               <a:rPr lang="fr-FR" sz="2400" dirty="0" smtClean="0"/>
-              <a:t>Trois types d’acteurs : les clients, les employés et les acteurs </a:t>
-            </a:r>
-            <a:r>
-              <a:rPr lang="fr-FR" sz="2400" dirty="0" smtClean="0"/>
-              <a:t>externes ;</a:t>
+              <a:t>Trois types d’acteurs : les clients, les employés et les acteurs externes ;</a:t>
             </a:r>
           </a:p>
           <a:p>

--- a/doc/Projet4_OCPizza_Arguments.pptx
+++ b/doc/Projet4_OCPizza_Arguments.pptx
@@ -218,7 +218,7 @@
           <a:p>
             <a:fld id="{112819D6-9618-45CA-A4D0-F3F0B09DC02D}" type="datetimeFigureOut">
               <a:rPr lang="fr-FR" smtClean="0"/>
-              <a:t>06/12/2017</a:t>
+              <a:t>08/12/2017</a:t>
             </a:fld>
             <a:endParaRPr lang="fr-FR"/>
           </a:p>
@@ -617,7 +617,7 @@
           <a:p>
             <a:fld id="{79C2CD3C-23E9-4BF9-92A5-02D69918904F}" type="datetimeFigureOut">
               <a:rPr lang="fr-FR" smtClean="0"/>
-              <a:t>06/12/2017</a:t>
+              <a:t>08/12/2017</a:t>
             </a:fld>
             <a:endParaRPr lang="fr-FR"/>
           </a:p>
@@ -787,7 +787,7 @@
           <a:p>
             <a:fld id="{79C2CD3C-23E9-4BF9-92A5-02D69918904F}" type="datetimeFigureOut">
               <a:rPr lang="fr-FR" smtClean="0"/>
-              <a:t>06/12/2017</a:t>
+              <a:t>08/12/2017</a:t>
             </a:fld>
             <a:endParaRPr lang="fr-FR"/>
           </a:p>
@@ -967,7 +967,7 @@
           <a:p>
             <a:fld id="{79C2CD3C-23E9-4BF9-92A5-02D69918904F}" type="datetimeFigureOut">
               <a:rPr lang="fr-FR" smtClean="0"/>
-              <a:t>06/12/2017</a:t>
+              <a:t>08/12/2017</a:t>
             </a:fld>
             <a:endParaRPr lang="fr-FR"/>
           </a:p>
@@ -1137,7 +1137,7 @@
           <a:p>
             <a:fld id="{79C2CD3C-23E9-4BF9-92A5-02D69918904F}" type="datetimeFigureOut">
               <a:rPr lang="fr-FR" smtClean="0"/>
-              <a:t>06/12/2017</a:t>
+              <a:t>08/12/2017</a:t>
             </a:fld>
             <a:endParaRPr lang="fr-FR"/>
           </a:p>
@@ -1383,7 +1383,7 @@
           <a:p>
             <a:fld id="{79C2CD3C-23E9-4BF9-92A5-02D69918904F}" type="datetimeFigureOut">
               <a:rPr lang="fr-FR" smtClean="0"/>
-              <a:t>06/12/2017</a:t>
+              <a:t>08/12/2017</a:t>
             </a:fld>
             <a:endParaRPr lang="fr-FR"/>
           </a:p>
@@ -1615,7 +1615,7 @@
           <a:p>
             <a:fld id="{79C2CD3C-23E9-4BF9-92A5-02D69918904F}" type="datetimeFigureOut">
               <a:rPr lang="fr-FR" smtClean="0"/>
-              <a:t>06/12/2017</a:t>
+              <a:t>08/12/2017</a:t>
             </a:fld>
             <a:endParaRPr lang="fr-FR"/>
           </a:p>
@@ -1982,7 +1982,7 @@
           <a:p>
             <a:fld id="{79C2CD3C-23E9-4BF9-92A5-02D69918904F}" type="datetimeFigureOut">
               <a:rPr lang="fr-FR" smtClean="0"/>
-              <a:t>06/12/2017</a:t>
+              <a:t>08/12/2017</a:t>
             </a:fld>
             <a:endParaRPr lang="fr-FR"/>
           </a:p>
@@ -2100,7 +2100,7 @@
           <a:p>
             <a:fld id="{79C2CD3C-23E9-4BF9-92A5-02D69918904F}" type="datetimeFigureOut">
               <a:rPr lang="fr-FR" smtClean="0"/>
-              <a:t>06/12/2017</a:t>
+              <a:t>08/12/2017</a:t>
             </a:fld>
             <a:endParaRPr lang="fr-FR"/>
           </a:p>
@@ -2195,7 +2195,7 @@
           <a:p>
             <a:fld id="{79C2CD3C-23E9-4BF9-92A5-02D69918904F}" type="datetimeFigureOut">
               <a:rPr lang="fr-FR" smtClean="0"/>
-              <a:t>06/12/2017</a:t>
+              <a:t>08/12/2017</a:t>
             </a:fld>
             <a:endParaRPr lang="fr-FR"/>
           </a:p>
@@ -2472,7 +2472,7 @@
           <a:p>
             <a:fld id="{79C2CD3C-23E9-4BF9-92A5-02D69918904F}" type="datetimeFigureOut">
               <a:rPr lang="fr-FR" smtClean="0"/>
-              <a:t>06/12/2017</a:t>
+              <a:t>08/12/2017</a:t>
             </a:fld>
             <a:endParaRPr lang="fr-FR"/>
           </a:p>
@@ -2725,7 +2725,7 @@
           <a:p>
             <a:fld id="{79C2CD3C-23E9-4BF9-92A5-02D69918904F}" type="datetimeFigureOut">
               <a:rPr lang="fr-FR" smtClean="0"/>
-              <a:t>06/12/2017</a:t>
+              <a:t>08/12/2017</a:t>
             </a:fld>
             <a:endParaRPr lang="fr-FR"/>
           </a:p>
@@ -2938,7 +2938,7 @@
           <a:p>
             <a:fld id="{79C2CD3C-23E9-4BF9-92A5-02D69918904F}" type="datetimeFigureOut">
               <a:rPr lang="fr-FR" smtClean="0"/>
-              <a:t>06/12/2017</a:t>
+              <a:t>08/12/2017</a:t>
             </a:fld>
             <a:endParaRPr lang="fr-FR"/>
           </a:p>
@@ -4567,6 +4567,82 @@
           </a:prstGeom>
         </p:spPr>
       </p:pic>
+      <p:sp>
+        <p:nvSpPr>
+          <p:cNvPr id="6" name="Rectangle 5"/>
+          <p:cNvSpPr/>
+          <p:nvPr/>
+        </p:nvSpPr>
+        <p:spPr>
+          <a:xfrm>
+            <a:off x="1727199" y="1867108"/>
+            <a:ext cx="10050035" cy="4779225"/>
+          </a:xfrm>
+          <a:prstGeom prst="rect">
+            <a:avLst/>
+          </a:prstGeom>
+          <a:noFill/>
+          <a:ln w="38100">
+            <a:solidFill>
+              <a:srgbClr val="430098"/>
+            </a:solidFill>
+          </a:ln>
+        </p:spPr>
+        <p:style>
+          <a:lnRef idx="2">
+            <a:schemeClr val="accent1">
+              <a:shade val="50000"/>
+            </a:schemeClr>
+          </a:lnRef>
+          <a:fillRef idx="1">
+            <a:schemeClr val="accent1"/>
+          </a:fillRef>
+          <a:effectRef idx="0">
+            <a:schemeClr val="accent1"/>
+          </a:effectRef>
+          <a:fontRef idx="minor">
+            <a:schemeClr val="lt1"/>
+          </a:fontRef>
+        </p:style>
+        <p:txBody>
+          <a:bodyPr rtlCol="0" anchor="ctr"/>
+          <a:lstStyle/>
+          <a:p>
+            <a:pPr algn="ctr"/>
+            <a:endParaRPr lang="fr-FR"/>
+          </a:p>
+        </p:txBody>
+      </p:sp>
+      <p:pic>
+        <p:nvPicPr>
+          <p:cNvPr id="7" name="Image 6"/>
+          <p:cNvPicPr>
+            <a:picLocks noChangeAspect="1"/>
+          </p:cNvPicPr>
+          <p:nvPr/>
+        </p:nvPicPr>
+        <p:blipFill>
+          <a:blip r:embed="rId7" cstate="print">
+            <a:extLst>
+              <a:ext uri="{28A0092B-C50C-407E-A947-70E740481C1C}">
+                <a14:useLocalDpi xmlns:a14="http://schemas.microsoft.com/office/drawing/2010/main" val="0"/>
+              </a:ext>
+            </a:extLst>
+          </a:blip>
+          <a:stretch>
+            <a:fillRect/>
+          </a:stretch>
+        </p:blipFill>
+        <p:spPr>
+          <a:xfrm>
+            <a:off x="127000" y="4948237"/>
+            <a:ext cx="1820333" cy="2161645"/>
+          </a:xfrm>
+          <a:prstGeom prst="rect">
+            <a:avLst/>
+          </a:prstGeom>
+        </p:spPr>
+      </p:pic>
     </p:spTree>
     <p:custDataLst>
       <p:tags r:id="rId1"/>
@@ -4772,6 +4848,94 @@
                       </p:childTnLst>
                     </p:cTn>
                   </p:par>
+                  <p:par>
+                    <p:cTn id="19" fill="hold">
+                      <p:stCondLst>
+                        <p:cond delay="indefinite"/>
+                      </p:stCondLst>
+                      <p:childTnLst>
+                        <p:par>
+                          <p:cTn id="20" fill="hold">
+                            <p:stCondLst>
+                              <p:cond delay="0"/>
+                            </p:stCondLst>
+                            <p:childTnLst>
+                              <p:par>
+                                <p:cTn id="21" presetID="10" presetClass="entr" presetSubtype="0" fill="hold" nodeType="clickEffect">
+                                  <p:stCondLst>
+                                    <p:cond delay="0"/>
+                                  </p:stCondLst>
+                                  <p:childTnLst>
+                                    <p:set>
+                                      <p:cBhvr>
+                                        <p:cTn id="22" dur="1" fill="hold">
+                                          <p:stCondLst>
+                                            <p:cond delay="0"/>
+                                          </p:stCondLst>
+                                        </p:cTn>
+                                        <p:tgtEl>
+                                          <p:spTgt spid="7"/>
+                                        </p:tgtEl>
+                                        <p:attrNameLst>
+                                          <p:attrName>style.visibility</p:attrName>
+                                        </p:attrNameLst>
+                                      </p:cBhvr>
+                                      <p:to>
+                                        <p:strVal val="visible"/>
+                                      </p:to>
+                                    </p:set>
+                                    <p:animEffect transition="in" filter="fade">
+                                      <p:cBhvr>
+                                        <p:cTn id="23" dur="500"/>
+                                        <p:tgtEl>
+                                          <p:spTgt spid="7"/>
+                                        </p:tgtEl>
+                                      </p:cBhvr>
+                                    </p:animEffect>
+                                  </p:childTnLst>
+                                </p:cTn>
+                              </p:par>
+                              <p:par>
+                                <p:cTn id="24" presetID="10" presetClass="entr" presetSubtype="0" fill="hold" grpId="0" nodeType="withEffect">
+                                  <p:stCondLst>
+                                    <p:cond delay="0"/>
+                                  </p:stCondLst>
+                                  <p:childTnLst>
+                                    <p:set>
+                                      <p:cBhvr>
+                                        <p:cTn id="25" dur="1" fill="hold">
+                                          <p:stCondLst>
+                                            <p:cond delay="0"/>
+                                          </p:stCondLst>
+                                        </p:cTn>
+                                        <p:tgtEl>
+                                          <p:spTgt spid="6"/>
+                                        </p:tgtEl>
+                                        <p:attrNameLst>
+                                          <p:attrName>style.visibility</p:attrName>
+                                        </p:attrNameLst>
+                                      </p:cBhvr>
+                                      <p:to>
+                                        <p:strVal val="visible"/>
+                                      </p:to>
+                                    </p:set>
+                                    <p:animEffect transition="in" filter="fade">
+                                      <p:cBhvr>
+                                        <p:cTn id="26" dur="500"/>
+                                        <p:tgtEl>
+                                          <p:spTgt spid="6"/>
+                                        </p:tgtEl>
+                                      </p:cBhvr>
+                                    </p:animEffect>
+                                  </p:childTnLst>
+                                </p:cTn>
+                              </p:par>
+                            </p:childTnLst>
+                          </p:cTn>
+                        </p:par>
+                      </p:childTnLst>
+                    </p:cTn>
+                  </p:par>
                 </p:childTnLst>
               </p:cTn>
               <p:prevCondLst>
@@ -4796,6 +4960,7 @@
     <p:bldLst>
       <p:bldP spid="8" grpId="0"/>
       <p:bldP spid="3" grpId="0"/>
+      <p:bldP spid="6" grpId="0" animBg="1"/>
     </p:bldLst>
   </p:timing>
 </p:sld>

--- a/doc/Projet4_OCPizza_Arguments.pptx
+++ b/doc/Projet4_OCPizza_Arguments.pptx
@@ -6265,468 +6265,6 @@
       </p:sp>
       <p:sp>
         <p:nvSpPr>
-          <p:cNvPr id="4" name="Rectangle 3"/>
-          <p:cNvSpPr/>
-          <p:nvPr/>
-        </p:nvSpPr>
-        <p:spPr>
-          <a:xfrm>
-            <a:off x="0" y="1"/>
-            <a:ext cx="12192000" cy="624532"/>
-          </a:xfrm>
-          <a:prstGeom prst="rect">
-            <a:avLst/>
-          </a:prstGeom>
-          <a:solidFill>
-            <a:schemeClr val="accent1"/>
-          </a:solidFill>
-          <a:ln>
-            <a:noFill/>
-          </a:ln>
-        </p:spPr>
-        <p:style>
-          <a:lnRef idx="2">
-            <a:schemeClr val="accent4">
-              <a:shade val="50000"/>
-            </a:schemeClr>
-          </a:lnRef>
-          <a:fillRef idx="1">
-            <a:schemeClr val="accent4"/>
-          </a:fillRef>
-          <a:effectRef idx="0">
-            <a:schemeClr val="accent4"/>
-          </a:effectRef>
-          <a:fontRef idx="minor">
-            <a:schemeClr val="lt1"/>
-          </a:fontRef>
-        </p:style>
-        <p:txBody>
-          <a:bodyPr anchor="ctr"/>
-          <a:lstStyle/>
-          <a:p>
-            <a:pPr algn="ctr">
-              <a:defRPr/>
-            </a:pPr>
-            <a:endParaRPr lang="fr-FR">
-              <a:latin typeface="Segoe UI" panose="020B0502040204020203" pitchFamily="34" charset="0"/>
-              <a:ea typeface="Segoe UI" panose="020B0502040204020203" pitchFamily="34" charset="0"/>
-              <a:cs typeface="Segoe UI" panose="020B0502040204020203" pitchFamily="34" charset="0"/>
-            </a:endParaRPr>
-          </a:p>
-        </p:txBody>
-      </p:sp>
-      <p:sp>
-        <p:nvSpPr>
-          <p:cNvPr id="5" name="Arrondir un rectangle avec un coin diagonal 4"/>
-          <p:cNvSpPr/>
-          <p:nvPr/>
-        </p:nvSpPr>
-        <p:spPr>
-          <a:xfrm>
-            <a:off x="9062537" y="242770"/>
-            <a:ext cx="99717" cy="117475"/>
-          </a:xfrm>
-          <a:prstGeom prst="round2DiagRect">
-            <a:avLst/>
-          </a:prstGeom>
-          <a:solidFill>
-            <a:schemeClr val="bg1">
-              <a:lumMod val="85000"/>
-            </a:schemeClr>
-          </a:solidFill>
-          <a:ln>
-            <a:noFill/>
-          </a:ln>
-        </p:spPr>
-        <p:style>
-          <a:lnRef idx="2">
-            <a:schemeClr val="accent1">
-              <a:shade val="50000"/>
-            </a:schemeClr>
-          </a:lnRef>
-          <a:fillRef idx="1">
-            <a:schemeClr val="accent1"/>
-          </a:fillRef>
-          <a:effectRef idx="0">
-            <a:schemeClr val="accent1"/>
-          </a:effectRef>
-          <a:fontRef idx="minor">
-            <a:schemeClr val="lt1"/>
-          </a:fontRef>
-        </p:style>
-        <p:txBody>
-          <a:bodyPr anchor="ctr"/>
-          <a:lstStyle/>
-          <a:p>
-            <a:pPr algn="ctr">
-              <a:defRPr/>
-            </a:pPr>
-            <a:endParaRPr lang="fr-FR">
-              <a:latin typeface="Segoe UI" panose="020B0502040204020203" pitchFamily="34" charset="0"/>
-              <a:ea typeface="Segoe UI" panose="020B0502040204020203" pitchFamily="34" charset="0"/>
-              <a:cs typeface="Segoe UI" panose="020B0502040204020203" pitchFamily="34" charset="0"/>
-            </a:endParaRPr>
-          </a:p>
-        </p:txBody>
-      </p:sp>
-      <p:sp>
-        <p:nvSpPr>
-          <p:cNvPr id="6" name="Arrondir un rectangle avec un coin diagonal 5"/>
-          <p:cNvSpPr/>
-          <p:nvPr/>
-        </p:nvSpPr>
-        <p:spPr>
-          <a:xfrm>
-            <a:off x="6703015" y="241182"/>
-            <a:ext cx="99717" cy="119062"/>
-          </a:xfrm>
-          <a:prstGeom prst="round2DiagRect">
-            <a:avLst/>
-          </a:prstGeom>
-          <a:solidFill>
-            <a:schemeClr val="bg1">
-              <a:lumMod val="85000"/>
-            </a:schemeClr>
-          </a:solidFill>
-          <a:ln>
-            <a:noFill/>
-          </a:ln>
-        </p:spPr>
-        <p:style>
-          <a:lnRef idx="2">
-            <a:schemeClr val="accent1">
-              <a:shade val="50000"/>
-            </a:schemeClr>
-          </a:lnRef>
-          <a:fillRef idx="1">
-            <a:schemeClr val="accent1"/>
-          </a:fillRef>
-          <a:effectRef idx="0">
-            <a:schemeClr val="accent1"/>
-          </a:effectRef>
-          <a:fontRef idx="minor">
-            <a:schemeClr val="lt1"/>
-          </a:fontRef>
-        </p:style>
-        <p:txBody>
-          <a:bodyPr anchor="ctr"/>
-          <a:lstStyle/>
-          <a:p>
-            <a:pPr algn="ctr">
-              <a:defRPr/>
-            </a:pPr>
-            <a:endParaRPr lang="fr-FR" b="1">
-              <a:latin typeface="Segoe UI" panose="020B0502040204020203" pitchFamily="34" charset="0"/>
-              <a:ea typeface="Segoe UI" panose="020B0502040204020203" pitchFamily="34" charset="0"/>
-              <a:cs typeface="Segoe UI" panose="020B0502040204020203" pitchFamily="34" charset="0"/>
-            </a:endParaRPr>
-          </a:p>
-        </p:txBody>
-      </p:sp>
-      <p:sp>
-        <p:nvSpPr>
-          <p:cNvPr id="7" name="ZoneTexte 6"/>
-          <p:cNvSpPr txBox="1"/>
-          <p:nvPr/>
-        </p:nvSpPr>
-        <p:spPr>
-          <a:xfrm>
-            <a:off x="4581521" y="120885"/>
-            <a:ext cx="1783843" cy="369332"/>
-          </a:xfrm>
-          <a:prstGeom prst="rect">
-            <a:avLst/>
-          </a:prstGeom>
-          <a:noFill/>
-        </p:spPr>
-        <p:txBody>
-          <a:bodyPr wrap="square" rtlCol="0">
-            <a:spAutoFit/>
-          </a:bodyPr>
-          <a:lstStyle/>
-          <a:p>
-            <a:r>
-              <a:rPr lang="fr-FR" b="1" dirty="0" smtClean="0">
-                <a:solidFill>
-                  <a:schemeClr val="bg1">
-                    <a:lumMod val="85000"/>
-                  </a:schemeClr>
-                </a:solidFill>
-                <a:latin typeface="Segoe UI" panose="020B0502040204020203" pitchFamily="34" charset="0"/>
-                <a:ea typeface="Segoe UI" panose="020B0502040204020203" pitchFamily="34" charset="0"/>
-                <a:cs typeface="Segoe UI" panose="020B0502040204020203" pitchFamily="34" charset="0"/>
-              </a:rPr>
-              <a:t>Pré-projet</a:t>
-            </a:r>
-            <a:endParaRPr lang="fr-FR" b="1" dirty="0">
-              <a:solidFill>
-                <a:schemeClr val="bg1">
-                  <a:lumMod val="85000"/>
-                </a:schemeClr>
-              </a:solidFill>
-              <a:latin typeface="Segoe UI" panose="020B0502040204020203" pitchFamily="34" charset="0"/>
-              <a:ea typeface="Segoe UI" panose="020B0502040204020203" pitchFamily="34" charset="0"/>
-              <a:cs typeface="Segoe UI" panose="020B0502040204020203" pitchFamily="34" charset="0"/>
-            </a:endParaRPr>
-          </a:p>
-        </p:txBody>
-      </p:sp>
-      <p:sp>
-        <p:nvSpPr>
-          <p:cNvPr id="8" name="ZoneTexte 7"/>
-          <p:cNvSpPr txBox="1"/>
-          <p:nvPr/>
-        </p:nvSpPr>
-        <p:spPr>
-          <a:xfrm>
-            <a:off x="6784527" y="119616"/>
-            <a:ext cx="1669311" cy="369332"/>
-          </a:xfrm>
-          <a:prstGeom prst="rect">
-            <a:avLst/>
-          </a:prstGeom>
-          <a:noFill/>
-        </p:spPr>
-        <p:txBody>
-          <a:bodyPr wrap="square" rtlCol="0">
-            <a:spAutoFit/>
-          </a:bodyPr>
-          <a:lstStyle/>
-          <a:p>
-            <a:pPr>
-              <a:tabLst>
-                <a:tab pos="177800" algn="l"/>
-              </a:tabLst>
-            </a:pPr>
-            <a:r>
-              <a:rPr lang="fr-FR" b="1" dirty="0" smtClean="0">
-                <a:solidFill>
-                  <a:schemeClr val="bg1">
-                    <a:lumMod val="85000"/>
-                  </a:schemeClr>
-                </a:solidFill>
-                <a:latin typeface="Segoe UI" panose="020B0502040204020203" pitchFamily="34" charset="0"/>
-                <a:ea typeface="Segoe UI" panose="020B0502040204020203" pitchFamily="34" charset="0"/>
-                <a:cs typeface="Segoe UI" panose="020B0502040204020203" pitchFamily="34" charset="0"/>
-              </a:rPr>
-              <a:t>Mise en place</a:t>
-            </a:r>
-            <a:endParaRPr lang="fr-FR" b="1" dirty="0">
-              <a:solidFill>
-                <a:schemeClr val="bg1">
-                  <a:lumMod val="85000"/>
-                </a:schemeClr>
-              </a:solidFill>
-              <a:latin typeface="Segoe UI" panose="020B0502040204020203" pitchFamily="34" charset="0"/>
-              <a:ea typeface="Segoe UI" panose="020B0502040204020203" pitchFamily="34" charset="0"/>
-              <a:cs typeface="Segoe UI" panose="020B0502040204020203" pitchFamily="34" charset="0"/>
-            </a:endParaRPr>
-          </a:p>
-        </p:txBody>
-      </p:sp>
-      <p:sp>
-        <p:nvSpPr>
-          <p:cNvPr id="9" name="ZoneTexte 8"/>
-          <p:cNvSpPr txBox="1"/>
-          <p:nvPr/>
-        </p:nvSpPr>
-        <p:spPr>
-          <a:xfrm>
-            <a:off x="9145245" y="119616"/>
-            <a:ext cx="1801640" cy="369332"/>
-          </a:xfrm>
-          <a:prstGeom prst="rect">
-            <a:avLst/>
-          </a:prstGeom>
-          <a:noFill/>
-        </p:spPr>
-        <p:txBody>
-          <a:bodyPr wrap="square" rtlCol="0">
-            <a:spAutoFit/>
-          </a:bodyPr>
-          <a:lstStyle/>
-          <a:p>
-            <a:r>
-              <a:rPr lang="fr-FR" b="1" dirty="0" smtClean="0">
-                <a:solidFill>
-                  <a:schemeClr val="bg1">
-                    <a:lumMod val="85000"/>
-                  </a:schemeClr>
-                </a:solidFill>
-                <a:latin typeface="Segoe UI" panose="020B0502040204020203" pitchFamily="34" charset="0"/>
-                <a:ea typeface="Segoe UI" panose="020B0502040204020203" pitchFamily="34" charset="0"/>
-                <a:cs typeface="Segoe UI" panose="020B0502040204020203" pitchFamily="34" charset="0"/>
-              </a:rPr>
-              <a:t>Post-projet</a:t>
-            </a:r>
-            <a:endParaRPr lang="fr-FR" b="1" dirty="0">
-              <a:solidFill>
-                <a:schemeClr val="bg1">
-                  <a:lumMod val="85000"/>
-                </a:schemeClr>
-              </a:solidFill>
-              <a:latin typeface="Segoe UI" panose="020B0502040204020203" pitchFamily="34" charset="0"/>
-              <a:ea typeface="Segoe UI" panose="020B0502040204020203" pitchFamily="34" charset="0"/>
-              <a:cs typeface="Segoe UI" panose="020B0502040204020203" pitchFamily="34" charset="0"/>
-            </a:endParaRPr>
-          </a:p>
-        </p:txBody>
-      </p:sp>
-      <p:sp>
-        <p:nvSpPr>
-          <p:cNvPr id="10" name="Pentagone 9"/>
-          <p:cNvSpPr/>
-          <p:nvPr/>
-        </p:nvSpPr>
-        <p:spPr>
-          <a:xfrm>
-            <a:off x="1123617" y="239913"/>
-            <a:ext cx="102968" cy="119062"/>
-          </a:xfrm>
-          <a:prstGeom prst="homePlate">
-            <a:avLst/>
-          </a:prstGeom>
-          <a:solidFill>
-            <a:schemeClr val="bg1"/>
-          </a:solidFill>
-          <a:ln>
-            <a:noFill/>
-          </a:ln>
-        </p:spPr>
-        <p:style>
-          <a:lnRef idx="2">
-            <a:schemeClr val="accent1">
-              <a:shade val="50000"/>
-            </a:schemeClr>
-          </a:lnRef>
-          <a:fillRef idx="1">
-            <a:schemeClr val="accent1"/>
-          </a:fillRef>
-          <a:effectRef idx="0">
-            <a:schemeClr val="accent1"/>
-          </a:effectRef>
-          <a:fontRef idx="minor">
-            <a:schemeClr val="lt1"/>
-          </a:fontRef>
-        </p:style>
-        <p:txBody>
-          <a:bodyPr anchor="ctr"/>
-          <a:lstStyle/>
-          <a:p>
-            <a:pPr algn="ctr">
-              <a:defRPr/>
-            </a:pPr>
-            <a:endParaRPr lang="fr-FR">
-              <a:solidFill>
-                <a:schemeClr val="accent2"/>
-              </a:solidFill>
-              <a:latin typeface="Segoe UI" panose="020B0502040204020203" pitchFamily="34" charset="0"/>
-              <a:ea typeface="Segoe UI" panose="020B0502040204020203" pitchFamily="34" charset="0"/>
-              <a:cs typeface="Segoe UI" panose="020B0502040204020203" pitchFamily="34" charset="0"/>
-            </a:endParaRPr>
-          </a:p>
-        </p:txBody>
-      </p:sp>
-      <p:sp>
-        <p:nvSpPr>
-          <p:cNvPr id="11" name="ZoneTexte 10"/>
-          <p:cNvSpPr txBox="1"/>
-          <p:nvPr/>
-        </p:nvSpPr>
-        <p:spPr>
-          <a:xfrm>
-            <a:off x="1172003" y="114778"/>
-            <a:ext cx="2725527" cy="369332"/>
-          </a:xfrm>
-          <a:prstGeom prst="rect">
-            <a:avLst/>
-          </a:prstGeom>
-          <a:noFill/>
-        </p:spPr>
-        <p:txBody>
-          <a:bodyPr wrap="square" rtlCol="0">
-            <a:spAutoFit/>
-          </a:bodyPr>
-          <a:lstStyle/>
-          <a:p>
-            <a:r>
-              <a:rPr lang="fr-FR" b="1" dirty="0" smtClean="0">
-                <a:solidFill>
-                  <a:schemeClr val="bg1"/>
-                </a:solidFill>
-                <a:latin typeface="Segoe UI" panose="020B0502040204020203" pitchFamily="34" charset="0"/>
-                <a:ea typeface="Segoe UI" panose="020B0502040204020203" pitchFamily="34" charset="0"/>
-                <a:cs typeface="Segoe UI" panose="020B0502040204020203" pitchFamily="34" charset="0"/>
-              </a:rPr>
-              <a:t>Présentation du projet</a:t>
-            </a:r>
-            <a:endParaRPr lang="fr-FR" b="1" dirty="0">
-              <a:solidFill>
-                <a:schemeClr val="bg1"/>
-              </a:solidFill>
-              <a:latin typeface="Segoe UI" panose="020B0502040204020203" pitchFamily="34" charset="0"/>
-              <a:ea typeface="Segoe UI" panose="020B0502040204020203" pitchFamily="34" charset="0"/>
-              <a:cs typeface="Segoe UI" panose="020B0502040204020203" pitchFamily="34" charset="0"/>
-            </a:endParaRPr>
-          </a:p>
-        </p:txBody>
-      </p:sp>
-      <p:sp>
-        <p:nvSpPr>
-          <p:cNvPr id="12" name="Arrondir un rectangle avec un coin diagonal 11"/>
-          <p:cNvSpPr/>
-          <p:nvPr/>
-        </p:nvSpPr>
-        <p:spPr>
-          <a:xfrm>
-            <a:off x="4505977" y="247189"/>
-            <a:ext cx="99717" cy="119062"/>
-          </a:xfrm>
-          <a:prstGeom prst="round2DiagRect">
-            <a:avLst/>
-          </a:prstGeom>
-          <a:solidFill>
-            <a:schemeClr val="bg1">
-              <a:lumMod val="85000"/>
-            </a:schemeClr>
-          </a:solidFill>
-          <a:ln>
-            <a:noFill/>
-          </a:ln>
-        </p:spPr>
-        <p:style>
-          <a:lnRef idx="2">
-            <a:schemeClr val="accent1">
-              <a:shade val="50000"/>
-            </a:schemeClr>
-          </a:lnRef>
-          <a:fillRef idx="1">
-            <a:schemeClr val="accent1"/>
-          </a:fillRef>
-          <a:effectRef idx="0">
-            <a:schemeClr val="accent1"/>
-          </a:effectRef>
-          <a:fontRef idx="minor">
-            <a:schemeClr val="lt1"/>
-          </a:fontRef>
-        </p:style>
-        <p:txBody>
-          <a:bodyPr anchor="ctr"/>
-          <a:lstStyle/>
-          <a:p>
-            <a:pPr algn="ctr">
-              <a:defRPr/>
-            </a:pPr>
-            <a:endParaRPr lang="fr-FR">
-              <a:latin typeface="Segoe UI" panose="020B0502040204020203" pitchFamily="34" charset="0"/>
-              <a:ea typeface="Segoe UI" panose="020B0502040204020203" pitchFamily="34" charset="0"/>
-              <a:cs typeface="Segoe UI" panose="020B0502040204020203" pitchFamily="34" charset="0"/>
-            </a:endParaRPr>
-          </a:p>
-        </p:txBody>
-      </p:sp>
-      <p:sp>
-        <p:nvSpPr>
           <p:cNvPr id="27" name="Titre 1"/>
           <p:cNvSpPr txBox="1">
             <a:spLocks/>
@@ -7239,6 +6777,366 @@
               <a:t>Employés</a:t>
             </a:r>
             <a:endParaRPr lang="fr-FR" sz="2400" b="1" dirty="0"/>
+          </a:p>
+        </p:txBody>
+      </p:sp>
+      <p:sp>
+        <p:nvSpPr>
+          <p:cNvPr id="23" name="Rectangle 22"/>
+          <p:cNvSpPr/>
+          <p:nvPr/>
+        </p:nvSpPr>
+        <p:spPr>
+          <a:xfrm>
+            <a:off x="0" y="1"/>
+            <a:ext cx="12192000" cy="624532"/>
+          </a:xfrm>
+          <a:prstGeom prst="rect">
+            <a:avLst/>
+          </a:prstGeom>
+          <a:solidFill>
+            <a:schemeClr val="accent1"/>
+          </a:solidFill>
+          <a:ln>
+            <a:noFill/>
+          </a:ln>
+        </p:spPr>
+        <p:style>
+          <a:lnRef idx="2">
+            <a:schemeClr val="accent4">
+              <a:shade val="50000"/>
+            </a:schemeClr>
+          </a:lnRef>
+          <a:fillRef idx="1">
+            <a:schemeClr val="accent4"/>
+          </a:fillRef>
+          <a:effectRef idx="0">
+            <a:schemeClr val="accent4"/>
+          </a:effectRef>
+          <a:fontRef idx="minor">
+            <a:schemeClr val="lt1"/>
+          </a:fontRef>
+        </p:style>
+        <p:txBody>
+          <a:bodyPr anchor="ctr"/>
+          <a:lstStyle/>
+          <a:p>
+            <a:pPr algn="ctr">
+              <a:defRPr/>
+            </a:pPr>
+            <a:endParaRPr lang="fr-FR">
+              <a:latin typeface="Segoe UI" panose="020B0502040204020203" pitchFamily="34" charset="0"/>
+              <a:ea typeface="Segoe UI" panose="020B0502040204020203" pitchFamily="34" charset="0"/>
+              <a:cs typeface="Segoe UI" panose="020B0502040204020203" pitchFamily="34" charset="0"/>
+            </a:endParaRPr>
+          </a:p>
+        </p:txBody>
+      </p:sp>
+      <p:sp>
+        <p:nvSpPr>
+          <p:cNvPr id="24" name="Pentagone 23"/>
+          <p:cNvSpPr/>
+          <p:nvPr/>
+        </p:nvSpPr>
+        <p:spPr>
+          <a:xfrm>
+            <a:off x="2230497" y="239913"/>
+            <a:ext cx="102968" cy="119062"/>
+          </a:xfrm>
+          <a:prstGeom prst="homePlate">
+            <a:avLst/>
+          </a:prstGeom>
+          <a:solidFill>
+            <a:schemeClr val="bg1"/>
+          </a:solidFill>
+          <a:ln>
+            <a:noFill/>
+          </a:ln>
+        </p:spPr>
+        <p:style>
+          <a:lnRef idx="2">
+            <a:schemeClr val="accent1">
+              <a:shade val="50000"/>
+            </a:schemeClr>
+          </a:lnRef>
+          <a:fillRef idx="1">
+            <a:schemeClr val="accent1"/>
+          </a:fillRef>
+          <a:effectRef idx="0">
+            <a:schemeClr val="accent1"/>
+          </a:effectRef>
+          <a:fontRef idx="minor">
+            <a:schemeClr val="lt1"/>
+          </a:fontRef>
+        </p:style>
+        <p:txBody>
+          <a:bodyPr anchor="ctr"/>
+          <a:lstStyle/>
+          <a:p>
+            <a:pPr algn="ctr">
+              <a:defRPr/>
+            </a:pPr>
+            <a:endParaRPr lang="fr-FR">
+              <a:solidFill>
+                <a:schemeClr val="accent2"/>
+              </a:solidFill>
+              <a:latin typeface="Segoe UI" panose="020B0502040204020203" pitchFamily="34" charset="0"/>
+              <a:ea typeface="Segoe UI" panose="020B0502040204020203" pitchFamily="34" charset="0"/>
+              <a:cs typeface="Segoe UI" panose="020B0502040204020203" pitchFamily="34" charset="0"/>
+            </a:endParaRPr>
+          </a:p>
+        </p:txBody>
+      </p:sp>
+      <p:sp>
+        <p:nvSpPr>
+          <p:cNvPr id="25" name="ZoneTexte 24"/>
+          <p:cNvSpPr txBox="1"/>
+          <p:nvPr/>
+        </p:nvSpPr>
+        <p:spPr>
+          <a:xfrm>
+            <a:off x="2278883" y="114778"/>
+            <a:ext cx="2725527" cy="369332"/>
+          </a:xfrm>
+          <a:prstGeom prst="rect">
+            <a:avLst/>
+          </a:prstGeom>
+          <a:noFill/>
+        </p:spPr>
+        <p:txBody>
+          <a:bodyPr wrap="square" rtlCol="0">
+            <a:spAutoFit/>
+          </a:bodyPr>
+          <a:lstStyle/>
+          <a:p>
+            <a:r>
+              <a:rPr lang="fr-FR" b="1" dirty="0" smtClean="0">
+                <a:solidFill>
+                  <a:schemeClr val="bg1"/>
+                </a:solidFill>
+                <a:latin typeface="Segoe UI" panose="020B0502040204020203" pitchFamily="34" charset="0"/>
+                <a:ea typeface="Segoe UI" panose="020B0502040204020203" pitchFamily="34" charset="0"/>
+                <a:cs typeface="Segoe UI" panose="020B0502040204020203" pitchFamily="34" charset="0"/>
+              </a:rPr>
+              <a:t>Rappel du contexte</a:t>
+            </a:r>
+            <a:endParaRPr lang="fr-FR" b="1" dirty="0">
+              <a:solidFill>
+                <a:schemeClr val="bg1"/>
+              </a:solidFill>
+              <a:latin typeface="Segoe UI" panose="020B0502040204020203" pitchFamily="34" charset="0"/>
+              <a:ea typeface="Segoe UI" panose="020B0502040204020203" pitchFamily="34" charset="0"/>
+              <a:cs typeface="Segoe UI" panose="020B0502040204020203" pitchFamily="34" charset="0"/>
+            </a:endParaRPr>
+          </a:p>
+        </p:txBody>
+      </p:sp>
+      <p:sp>
+        <p:nvSpPr>
+          <p:cNvPr id="26" name="Arrondir un rectangle avec un coin diagonal 25"/>
+          <p:cNvSpPr/>
+          <p:nvPr/>
+        </p:nvSpPr>
+        <p:spPr>
+          <a:xfrm>
+            <a:off x="8162443" y="241182"/>
+            <a:ext cx="99717" cy="119062"/>
+          </a:xfrm>
+          <a:prstGeom prst="round2DiagRect">
+            <a:avLst/>
+          </a:prstGeom>
+          <a:solidFill>
+            <a:schemeClr val="bg1">
+              <a:lumMod val="85000"/>
+            </a:schemeClr>
+          </a:solidFill>
+          <a:ln>
+            <a:noFill/>
+          </a:ln>
+        </p:spPr>
+        <p:style>
+          <a:lnRef idx="2">
+            <a:schemeClr val="accent1">
+              <a:shade val="50000"/>
+            </a:schemeClr>
+          </a:lnRef>
+          <a:fillRef idx="1">
+            <a:schemeClr val="accent1"/>
+          </a:fillRef>
+          <a:effectRef idx="0">
+            <a:schemeClr val="accent1"/>
+          </a:effectRef>
+          <a:fontRef idx="minor">
+            <a:schemeClr val="lt1"/>
+          </a:fontRef>
+        </p:style>
+        <p:txBody>
+          <a:bodyPr anchor="ctr"/>
+          <a:lstStyle/>
+          <a:p>
+            <a:pPr algn="ctr">
+              <a:defRPr/>
+            </a:pPr>
+            <a:endParaRPr lang="fr-FR" b="1">
+              <a:latin typeface="Segoe UI" panose="020B0502040204020203" pitchFamily="34" charset="0"/>
+              <a:ea typeface="Segoe UI" panose="020B0502040204020203" pitchFamily="34" charset="0"/>
+              <a:cs typeface="Segoe UI" panose="020B0502040204020203" pitchFamily="34" charset="0"/>
+            </a:endParaRPr>
+          </a:p>
+        </p:txBody>
+      </p:sp>
+      <p:sp>
+        <p:nvSpPr>
+          <p:cNvPr id="28" name="ZoneTexte 27"/>
+          <p:cNvSpPr txBox="1"/>
+          <p:nvPr/>
+        </p:nvSpPr>
+        <p:spPr>
+          <a:xfrm>
+            <a:off x="5691505" y="122153"/>
+            <a:ext cx="1783843" cy="369332"/>
+          </a:xfrm>
+          <a:prstGeom prst="rect">
+            <a:avLst/>
+          </a:prstGeom>
+          <a:noFill/>
+        </p:spPr>
+        <p:txBody>
+          <a:bodyPr wrap="square" rtlCol="0">
+            <a:spAutoFit/>
+          </a:bodyPr>
+          <a:lstStyle/>
+          <a:p>
+            <a:r>
+              <a:rPr lang="fr-FR" b="1" dirty="0" smtClean="0">
+                <a:solidFill>
+                  <a:schemeClr val="bg1">
+                    <a:lumMod val="85000"/>
+                  </a:schemeClr>
+                </a:solidFill>
+                <a:latin typeface="Segoe UI" panose="020B0502040204020203" pitchFamily="34" charset="0"/>
+                <a:ea typeface="Segoe UI" panose="020B0502040204020203" pitchFamily="34" charset="0"/>
+                <a:cs typeface="Segoe UI" panose="020B0502040204020203" pitchFamily="34" charset="0"/>
+              </a:rPr>
+              <a:t>Fonctionnel</a:t>
+            </a:r>
+            <a:endParaRPr lang="fr-FR" b="1" dirty="0">
+              <a:solidFill>
+                <a:schemeClr val="bg1">
+                  <a:lumMod val="85000"/>
+                </a:schemeClr>
+              </a:solidFill>
+              <a:latin typeface="Segoe UI" panose="020B0502040204020203" pitchFamily="34" charset="0"/>
+              <a:ea typeface="Segoe UI" panose="020B0502040204020203" pitchFamily="34" charset="0"/>
+              <a:cs typeface="Segoe UI" panose="020B0502040204020203" pitchFamily="34" charset="0"/>
+            </a:endParaRPr>
+          </a:p>
+        </p:txBody>
+      </p:sp>
+      <p:sp>
+        <p:nvSpPr>
+          <p:cNvPr id="29" name="ZoneTexte 28"/>
+          <p:cNvSpPr txBox="1"/>
+          <p:nvPr/>
+        </p:nvSpPr>
+        <p:spPr>
+          <a:xfrm>
+            <a:off x="8243955" y="119616"/>
+            <a:ext cx="1669311" cy="369332"/>
+          </a:xfrm>
+          <a:prstGeom prst="rect">
+            <a:avLst/>
+          </a:prstGeom>
+          <a:noFill/>
+        </p:spPr>
+        <p:txBody>
+          <a:bodyPr wrap="square" rtlCol="0">
+            <a:spAutoFit/>
+          </a:bodyPr>
+          <a:lstStyle/>
+          <a:p>
+            <a:pPr>
+              <a:tabLst>
+                <a:tab pos="177800" algn="l"/>
+              </a:tabLst>
+            </a:pPr>
+            <a:r>
+              <a:rPr lang="fr-FR" b="1" dirty="0" smtClean="0">
+                <a:solidFill>
+                  <a:schemeClr val="bg1">
+                    <a:lumMod val="85000"/>
+                  </a:schemeClr>
+                </a:solidFill>
+                <a:latin typeface="Segoe UI" panose="020B0502040204020203" pitchFamily="34" charset="0"/>
+                <a:ea typeface="Segoe UI" panose="020B0502040204020203" pitchFamily="34" charset="0"/>
+                <a:cs typeface="Segoe UI" panose="020B0502040204020203" pitchFamily="34" charset="0"/>
+              </a:rPr>
+              <a:t>Technique</a:t>
+            </a:r>
+            <a:endParaRPr lang="fr-FR" b="1" dirty="0">
+              <a:solidFill>
+                <a:schemeClr val="bg1">
+                  <a:lumMod val="85000"/>
+                </a:schemeClr>
+              </a:solidFill>
+              <a:latin typeface="Segoe UI" panose="020B0502040204020203" pitchFamily="34" charset="0"/>
+              <a:ea typeface="Segoe UI" panose="020B0502040204020203" pitchFamily="34" charset="0"/>
+              <a:cs typeface="Segoe UI" panose="020B0502040204020203" pitchFamily="34" charset="0"/>
+            </a:endParaRPr>
+          </a:p>
+        </p:txBody>
+      </p:sp>
+      <p:sp>
+        <p:nvSpPr>
+          <p:cNvPr id="30" name="Arrondir un rectangle avec un coin diagonal 29"/>
+          <p:cNvSpPr/>
+          <p:nvPr/>
+        </p:nvSpPr>
+        <p:spPr>
+          <a:xfrm>
+            <a:off x="5591788" y="241182"/>
+            <a:ext cx="99717" cy="119062"/>
+          </a:xfrm>
+          <a:prstGeom prst="round2DiagRect">
+            <a:avLst/>
+          </a:prstGeom>
+          <a:solidFill>
+            <a:schemeClr val="bg1">
+              <a:lumMod val="85000"/>
+            </a:schemeClr>
+          </a:solidFill>
+          <a:ln>
+            <a:noFill/>
+          </a:ln>
+        </p:spPr>
+        <p:style>
+          <a:lnRef idx="2">
+            <a:schemeClr val="accent1">
+              <a:shade val="50000"/>
+            </a:schemeClr>
+          </a:lnRef>
+          <a:fillRef idx="1">
+            <a:schemeClr val="accent1"/>
+          </a:fillRef>
+          <a:effectRef idx="0">
+            <a:schemeClr val="accent1"/>
+          </a:effectRef>
+          <a:fontRef idx="minor">
+            <a:schemeClr val="lt1"/>
+          </a:fontRef>
+        </p:style>
+        <p:txBody>
+          <a:bodyPr anchor="ctr"/>
+          <a:lstStyle/>
+          <a:p>
+            <a:pPr algn="ctr">
+              <a:defRPr/>
+            </a:pPr>
+            <a:endParaRPr lang="fr-FR" b="1">
+              <a:latin typeface="Segoe UI" panose="020B0502040204020203" pitchFamily="34" charset="0"/>
+              <a:ea typeface="Segoe UI" panose="020B0502040204020203" pitchFamily="34" charset="0"/>
+              <a:cs typeface="Segoe UI" panose="020B0502040204020203" pitchFamily="34" charset="0"/>
+            </a:endParaRPr>
           </a:p>
         </p:txBody>
       </p:sp>

--- a/doc/Projet4_OCPizza_Arguments.pptx
+++ b/doc/Projet4_OCPizza_Arguments.pptx
@@ -5,7 +5,7 @@
     <p:sldMasterId id="2147483648" r:id="rId1"/>
   </p:sldMasterIdLst>
   <p:notesMasterIdLst>
-    <p:notesMasterId r:id="rId13"/>
+    <p:notesMasterId r:id="rId14"/>
   </p:notesMasterIdLst>
   <p:sldIdLst>
     <p:sldId id="274" r:id="rId2"/>
@@ -19,6 +19,7 @@
     <p:sldId id="279" r:id="rId10"/>
     <p:sldId id="277" r:id="rId11"/>
     <p:sldId id="278" r:id="rId12"/>
+    <p:sldId id="284" r:id="rId13"/>
   </p:sldIdLst>
   <p:sldSz cx="12192000" cy="6858000"/>
   <p:notesSz cx="6858000" cy="9144000"/>
@@ -218,7 +219,7 @@
           <a:p>
             <a:fld id="{112819D6-9618-45CA-A4D0-F3F0B09DC02D}" type="datetimeFigureOut">
               <a:rPr lang="fr-FR" smtClean="0"/>
-              <a:t>08/12/2017</a:t>
+              <a:t>09/12/2017</a:t>
             </a:fld>
             <a:endParaRPr lang="fr-FR"/>
           </a:p>
@@ -617,7 +618,7 @@
           <a:p>
             <a:fld id="{79C2CD3C-23E9-4BF9-92A5-02D69918904F}" type="datetimeFigureOut">
               <a:rPr lang="fr-FR" smtClean="0"/>
-              <a:t>08/12/2017</a:t>
+              <a:t>09/12/2017</a:t>
             </a:fld>
             <a:endParaRPr lang="fr-FR"/>
           </a:p>
@@ -787,7 +788,7 @@
           <a:p>
             <a:fld id="{79C2CD3C-23E9-4BF9-92A5-02D69918904F}" type="datetimeFigureOut">
               <a:rPr lang="fr-FR" smtClean="0"/>
-              <a:t>08/12/2017</a:t>
+              <a:t>09/12/2017</a:t>
             </a:fld>
             <a:endParaRPr lang="fr-FR"/>
           </a:p>
@@ -967,7 +968,7 @@
           <a:p>
             <a:fld id="{79C2CD3C-23E9-4BF9-92A5-02D69918904F}" type="datetimeFigureOut">
               <a:rPr lang="fr-FR" smtClean="0"/>
-              <a:t>08/12/2017</a:t>
+              <a:t>09/12/2017</a:t>
             </a:fld>
             <a:endParaRPr lang="fr-FR"/>
           </a:p>
@@ -1137,7 +1138,7 @@
           <a:p>
             <a:fld id="{79C2CD3C-23E9-4BF9-92A5-02D69918904F}" type="datetimeFigureOut">
               <a:rPr lang="fr-FR" smtClean="0"/>
-              <a:t>08/12/2017</a:t>
+              <a:t>09/12/2017</a:t>
             </a:fld>
             <a:endParaRPr lang="fr-FR"/>
           </a:p>
@@ -1383,7 +1384,7 @@
           <a:p>
             <a:fld id="{79C2CD3C-23E9-4BF9-92A5-02D69918904F}" type="datetimeFigureOut">
               <a:rPr lang="fr-FR" smtClean="0"/>
-              <a:t>08/12/2017</a:t>
+              <a:t>09/12/2017</a:t>
             </a:fld>
             <a:endParaRPr lang="fr-FR"/>
           </a:p>
@@ -1615,7 +1616,7 @@
           <a:p>
             <a:fld id="{79C2CD3C-23E9-4BF9-92A5-02D69918904F}" type="datetimeFigureOut">
               <a:rPr lang="fr-FR" smtClean="0"/>
-              <a:t>08/12/2017</a:t>
+              <a:t>09/12/2017</a:t>
             </a:fld>
             <a:endParaRPr lang="fr-FR"/>
           </a:p>
@@ -1982,7 +1983,7 @@
           <a:p>
             <a:fld id="{79C2CD3C-23E9-4BF9-92A5-02D69918904F}" type="datetimeFigureOut">
               <a:rPr lang="fr-FR" smtClean="0"/>
-              <a:t>08/12/2017</a:t>
+              <a:t>09/12/2017</a:t>
             </a:fld>
             <a:endParaRPr lang="fr-FR"/>
           </a:p>
@@ -2100,7 +2101,7 @@
           <a:p>
             <a:fld id="{79C2CD3C-23E9-4BF9-92A5-02D69918904F}" type="datetimeFigureOut">
               <a:rPr lang="fr-FR" smtClean="0"/>
-              <a:t>08/12/2017</a:t>
+              <a:t>09/12/2017</a:t>
             </a:fld>
             <a:endParaRPr lang="fr-FR"/>
           </a:p>
@@ -2195,7 +2196,7 @@
           <a:p>
             <a:fld id="{79C2CD3C-23E9-4BF9-92A5-02D69918904F}" type="datetimeFigureOut">
               <a:rPr lang="fr-FR" smtClean="0"/>
-              <a:t>08/12/2017</a:t>
+              <a:t>09/12/2017</a:t>
             </a:fld>
             <a:endParaRPr lang="fr-FR"/>
           </a:p>
@@ -2472,7 +2473,7 @@
           <a:p>
             <a:fld id="{79C2CD3C-23E9-4BF9-92A5-02D69918904F}" type="datetimeFigureOut">
               <a:rPr lang="fr-FR" smtClean="0"/>
-              <a:t>08/12/2017</a:t>
+              <a:t>09/12/2017</a:t>
             </a:fld>
             <a:endParaRPr lang="fr-FR"/>
           </a:p>
@@ -2725,7 +2726,7 @@
           <a:p>
             <a:fld id="{79C2CD3C-23E9-4BF9-92A5-02D69918904F}" type="datetimeFigureOut">
               <a:rPr lang="fr-FR" smtClean="0"/>
-              <a:t>08/12/2017</a:t>
+              <a:t>09/12/2017</a:t>
             </a:fld>
             <a:endParaRPr lang="fr-FR"/>
           </a:p>
@@ -2938,7 +2939,7 @@
           <a:p>
             <a:fld id="{79C2CD3C-23E9-4BF9-92A5-02D69918904F}" type="datetimeFigureOut">
               <a:rPr lang="fr-FR" smtClean="0"/>
-              <a:t>08/12/2017</a:t>
+              <a:t>09/12/2017</a:t>
             </a:fld>
             <a:endParaRPr lang="fr-FR"/>
           </a:p>
@@ -5653,6 +5654,114 @@
 </p:sld>
 </file>
 
+<file path=ppt/slides/slide12.xml><?xml version="1.0" encoding="utf-8"?>
+<p:sld xmlns:a="http://schemas.openxmlformats.org/drawingml/2006/main" xmlns:r="http://schemas.openxmlformats.org/officeDocument/2006/relationships" xmlns:p="http://schemas.openxmlformats.org/presentationml/2006/main">
+  <p:cSld>
+    <p:spTree>
+      <p:nvGrpSpPr>
+        <p:cNvPr id="1" name=""/>
+        <p:cNvGrpSpPr/>
+        <p:nvPr/>
+      </p:nvGrpSpPr>
+      <p:grpSpPr>
+        <a:xfrm>
+          <a:off x="0" y="0"/>
+          <a:ext cx="0" cy="0"/>
+          <a:chOff x="0" y="0"/>
+          <a:chExt cx="0" cy="0"/>
+        </a:xfrm>
+      </p:grpSpPr>
+      <p:sp>
+        <p:nvSpPr>
+          <p:cNvPr id="5" name="Rectangle 4"/>
+          <p:cNvSpPr/>
+          <p:nvPr/>
+        </p:nvSpPr>
+        <p:spPr>
+          <a:xfrm>
+            <a:off x="-93133" y="-76200"/>
+            <a:ext cx="12369800" cy="6993467"/>
+          </a:xfrm>
+          <a:prstGeom prst="rect">
+            <a:avLst/>
+          </a:prstGeom>
+        </p:spPr>
+        <p:style>
+          <a:lnRef idx="2">
+            <a:schemeClr val="accent1">
+              <a:shade val="50000"/>
+            </a:schemeClr>
+          </a:lnRef>
+          <a:fillRef idx="1">
+            <a:schemeClr val="accent1"/>
+          </a:fillRef>
+          <a:effectRef idx="0">
+            <a:schemeClr val="accent1"/>
+          </a:effectRef>
+          <a:fontRef idx="minor">
+            <a:schemeClr val="lt1"/>
+          </a:fontRef>
+        </p:style>
+        <p:txBody>
+          <a:bodyPr rtlCol="0" anchor="ctr"/>
+          <a:lstStyle/>
+          <a:p>
+            <a:pPr algn="ctr"/>
+            <a:endParaRPr lang="fr-FR"/>
+          </a:p>
+        </p:txBody>
+      </p:sp>
+      <p:sp>
+        <p:nvSpPr>
+          <p:cNvPr id="4" name="ZoneTexte 3"/>
+          <p:cNvSpPr txBox="1"/>
+          <p:nvPr/>
+        </p:nvSpPr>
+        <p:spPr>
+          <a:xfrm>
+            <a:off x="4328974" y="2312537"/>
+            <a:ext cx="3607078" cy="2215991"/>
+          </a:xfrm>
+          <a:prstGeom prst="rect">
+            <a:avLst/>
+          </a:prstGeom>
+          <a:noFill/>
+        </p:spPr>
+        <p:txBody>
+          <a:bodyPr wrap="none" rtlCol="0">
+            <a:spAutoFit/>
+          </a:bodyPr>
+          <a:lstStyle/>
+          <a:p>
+            <a:r>
+              <a:rPr lang="fr-FR" sz="13800" dirty="0" smtClean="0">
+                <a:solidFill>
+                  <a:schemeClr val="bg1"/>
+                </a:solidFill>
+              </a:rPr>
+              <a:t>Q&amp;A</a:t>
+            </a:r>
+            <a:endParaRPr lang="fr-FR" sz="13800" dirty="0">
+              <a:solidFill>
+                <a:schemeClr val="bg1"/>
+              </a:solidFill>
+            </a:endParaRPr>
+          </a:p>
+        </p:txBody>
+      </p:sp>
+    </p:spTree>
+    <p:extLst>
+      <p:ext uri="{BB962C8B-B14F-4D97-AF65-F5344CB8AC3E}">
+        <p14:creationId xmlns:p14="http://schemas.microsoft.com/office/powerpoint/2010/main" val="2016791721"/>
+      </p:ext>
+    </p:extLst>
+  </p:cSld>
+  <p:clrMapOvr>
+    <a:masterClrMapping/>
+  </p:clrMapOvr>
+</p:sld>
+</file>
+
 <file path=ppt/slides/slide2.xml><?xml version="1.0" encoding="utf-8"?>
 <p:sld xmlns:a="http://schemas.openxmlformats.org/drawingml/2006/main" xmlns:r="http://schemas.openxmlformats.org/officeDocument/2006/relationships" xmlns:p="http://schemas.openxmlformats.org/presentationml/2006/main">
   <p:cSld>
@@ -10920,8 +11029,8 @@
         </p:blipFill>
         <p:spPr>
           <a:xfrm>
-            <a:off x="1172004" y="1723880"/>
-            <a:ext cx="9324546" cy="4936111"/>
+            <a:off x="1200520" y="1723880"/>
+            <a:ext cx="9267513" cy="4936111"/>
           </a:xfrm>
           <a:prstGeom prst="rect">
             <a:avLst/>
